--- a/typescript-flashcards.pptx
+++ b/typescript-flashcards.pptx
@@ -5,7 +5,7 @@
     <p:sldMasterId id="2147483648" r:id="rId1"/>
   </p:sldMasterIdLst>
   <p:notesMasterIdLst>
-    <p:notesMasterId r:id="rId10"/>
+    <p:notesMasterId r:id="rId12"/>
   </p:notesMasterIdLst>
   <p:sldIdLst>
     <p:sldId id="256" r:id="rId2"/>
@@ -16,6 +16,8 @@
     <p:sldId id="263" r:id="rId7"/>
     <p:sldId id="258" r:id="rId8"/>
     <p:sldId id="261" r:id="rId9"/>
+    <p:sldId id="264" r:id="rId10"/>
+    <p:sldId id="265" r:id="rId11"/>
   </p:sldIdLst>
   <p:sldSz cx="12192000" cy="6858000"/>
   <p:notesSz cx="6858000" cy="9144000"/>
@@ -204,7 +206,7 @@
           <a:p>
             <a:fld id="{69864A50-0D8A-C442-BC25-8754C0899247}" type="datetimeFigureOut">
               <a:rPr lang="en-FR" smtClean="0"/>
-              <a:t>02/08/2021</a:t>
+              <a:t>05/08/2021</a:t>
             </a:fld>
             <a:endParaRPr lang="en-FR"/>
           </a:p>
@@ -1380,6 +1382,90 @@
 </p:notes>
 </file>
 
+<file path=ppt/notesSlides/notesSlide9.xml><?xml version="1.0" encoding="utf-8"?>
+<p:notes xmlns:a="http://schemas.openxmlformats.org/drawingml/2006/main" xmlns:r="http://schemas.openxmlformats.org/officeDocument/2006/relationships" xmlns:p="http://schemas.openxmlformats.org/presentationml/2006/main">
+  <p:cSld>
+    <p:spTree>
+      <p:nvGrpSpPr>
+        <p:cNvPr id="1" name=""/>
+        <p:cNvGrpSpPr/>
+        <p:nvPr/>
+      </p:nvGrpSpPr>
+      <p:grpSpPr>
+        <a:xfrm>
+          <a:off x="0" y="0"/>
+          <a:ext cx="0" cy="0"/>
+          <a:chOff x="0" y="0"/>
+          <a:chExt cx="0" cy="0"/>
+        </a:xfrm>
+      </p:grpSpPr>
+      <p:sp>
+        <p:nvSpPr>
+          <p:cNvPr id="2" name="Slide Image Placeholder 1"/>
+          <p:cNvSpPr>
+            <a:spLocks noGrp="1" noRot="1" noChangeAspect="1"/>
+          </p:cNvSpPr>
+          <p:nvPr>
+            <p:ph type="sldImg"/>
+          </p:nvPr>
+        </p:nvSpPr>
+        <p:spPr/>
+      </p:sp>
+      <p:sp>
+        <p:nvSpPr>
+          <p:cNvPr id="3" name="Notes Placeholder 2"/>
+          <p:cNvSpPr>
+            <a:spLocks noGrp="1"/>
+          </p:cNvSpPr>
+          <p:nvPr>
+            <p:ph type="body" idx="1"/>
+          </p:nvPr>
+        </p:nvSpPr>
+        <p:spPr/>
+        <p:txBody>
+          <a:bodyPr/>
+          <a:lstStyle/>
+          <a:p>
+            <a:endParaRPr lang="en-FR" dirty="0"/>
+          </a:p>
+        </p:txBody>
+      </p:sp>
+      <p:sp>
+        <p:nvSpPr>
+          <p:cNvPr id="4" name="Slide Number Placeholder 3"/>
+          <p:cNvSpPr>
+            <a:spLocks noGrp="1"/>
+          </p:cNvSpPr>
+          <p:nvPr>
+            <p:ph type="sldNum" sz="quarter" idx="5"/>
+          </p:nvPr>
+        </p:nvSpPr>
+        <p:spPr/>
+        <p:txBody>
+          <a:bodyPr/>
+          <a:lstStyle/>
+          <a:p>
+            <a:fld id="{B004EB0F-8DA9-C647-BD71-4B3E7AD8F51B}" type="slidenum">
+              <a:rPr lang="en-FR" smtClean="0"/>
+              <a:t>9</a:t>
+            </a:fld>
+            <a:endParaRPr lang="en-FR"/>
+          </a:p>
+        </p:txBody>
+      </p:sp>
+    </p:spTree>
+    <p:extLst>
+      <p:ext uri="{BB962C8B-B14F-4D97-AF65-F5344CB8AC3E}">
+        <p14:creationId xmlns:p14="http://schemas.microsoft.com/office/powerpoint/2010/main" val="1439812038"/>
+      </p:ext>
+    </p:extLst>
+  </p:cSld>
+  <p:clrMapOvr>
+    <a:masterClrMapping/>
+  </p:clrMapOvr>
+</p:notes>
+</file>
+
 <file path=ppt/slideLayouts/slideLayout1.xml><?xml version="1.0" encoding="utf-8"?>
 <p:sldLayout xmlns:a="http://schemas.openxmlformats.org/drawingml/2006/main" xmlns:r="http://schemas.openxmlformats.org/officeDocument/2006/relationships" xmlns:p="http://schemas.openxmlformats.org/presentationml/2006/main" type="title" preserve="1">
   <p:cSld name="Title Slide">
@@ -1529,7 +1615,7 @@
           <a:p>
             <a:fld id="{4DE48A6F-CC12-4546-A351-FDE2F99F9FCE}" type="datetimeFigureOut">
               <a:rPr lang="en-FR" smtClean="0"/>
-              <a:t>02/08/2021</a:t>
+              <a:t>05/08/2021</a:t>
             </a:fld>
             <a:endParaRPr lang="en-FR"/>
           </a:p>
@@ -1729,7 +1815,7 @@
           <a:p>
             <a:fld id="{4DE48A6F-CC12-4546-A351-FDE2F99F9FCE}" type="datetimeFigureOut">
               <a:rPr lang="en-FR" smtClean="0"/>
-              <a:t>02/08/2021</a:t>
+              <a:t>05/08/2021</a:t>
             </a:fld>
             <a:endParaRPr lang="en-FR"/>
           </a:p>
@@ -1939,7 +2025,7 @@
           <a:p>
             <a:fld id="{4DE48A6F-CC12-4546-A351-FDE2F99F9FCE}" type="datetimeFigureOut">
               <a:rPr lang="en-FR" smtClean="0"/>
-              <a:t>02/08/2021</a:t>
+              <a:t>05/08/2021</a:t>
             </a:fld>
             <a:endParaRPr lang="en-FR"/>
           </a:p>
@@ -2139,7 +2225,7 @@
           <a:p>
             <a:fld id="{4DE48A6F-CC12-4546-A351-FDE2F99F9FCE}" type="datetimeFigureOut">
               <a:rPr lang="en-FR" smtClean="0"/>
-              <a:t>02/08/2021</a:t>
+              <a:t>05/08/2021</a:t>
             </a:fld>
             <a:endParaRPr lang="en-FR"/>
           </a:p>
@@ -2415,7 +2501,7 @@
           <a:p>
             <a:fld id="{4DE48A6F-CC12-4546-A351-FDE2F99F9FCE}" type="datetimeFigureOut">
               <a:rPr lang="en-FR" smtClean="0"/>
-              <a:t>02/08/2021</a:t>
+              <a:t>05/08/2021</a:t>
             </a:fld>
             <a:endParaRPr lang="en-FR"/>
           </a:p>
@@ -2683,7 +2769,7 @@
           <a:p>
             <a:fld id="{4DE48A6F-CC12-4546-A351-FDE2F99F9FCE}" type="datetimeFigureOut">
               <a:rPr lang="en-FR" smtClean="0"/>
-              <a:t>02/08/2021</a:t>
+              <a:t>05/08/2021</a:t>
             </a:fld>
             <a:endParaRPr lang="en-FR"/>
           </a:p>
@@ -3098,7 +3184,7 @@
           <a:p>
             <a:fld id="{4DE48A6F-CC12-4546-A351-FDE2F99F9FCE}" type="datetimeFigureOut">
               <a:rPr lang="en-FR" smtClean="0"/>
-              <a:t>02/08/2021</a:t>
+              <a:t>05/08/2021</a:t>
             </a:fld>
             <a:endParaRPr lang="en-FR"/>
           </a:p>
@@ -3240,7 +3326,7 @@
           <a:p>
             <a:fld id="{4DE48A6F-CC12-4546-A351-FDE2F99F9FCE}" type="datetimeFigureOut">
               <a:rPr lang="en-FR" smtClean="0"/>
-              <a:t>02/08/2021</a:t>
+              <a:t>05/08/2021</a:t>
             </a:fld>
             <a:endParaRPr lang="en-FR"/>
           </a:p>
@@ -3353,7 +3439,7 @@
           <a:p>
             <a:fld id="{4DE48A6F-CC12-4546-A351-FDE2F99F9FCE}" type="datetimeFigureOut">
               <a:rPr lang="en-FR" smtClean="0"/>
-              <a:t>02/08/2021</a:t>
+              <a:t>05/08/2021</a:t>
             </a:fld>
             <a:endParaRPr lang="en-FR"/>
           </a:p>
@@ -3666,7 +3752,7 @@
           <a:p>
             <a:fld id="{4DE48A6F-CC12-4546-A351-FDE2F99F9FCE}" type="datetimeFigureOut">
               <a:rPr lang="en-FR" smtClean="0"/>
-              <a:t>02/08/2021</a:t>
+              <a:t>05/08/2021</a:t>
             </a:fld>
             <a:endParaRPr lang="en-FR"/>
           </a:p>
@@ -3955,7 +4041,7 @@
           <a:p>
             <a:fld id="{4DE48A6F-CC12-4546-A351-FDE2F99F9FCE}" type="datetimeFigureOut">
               <a:rPr lang="en-FR" smtClean="0"/>
-              <a:t>02/08/2021</a:t>
+              <a:t>05/08/2021</a:t>
             </a:fld>
             <a:endParaRPr lang="en-FR"/>
           </a:p>
@@ -4198,7 +4284,7 @@
           <a:p>
             <a:fld id="{4DE48A6F-CC12-4546-A351-FDE2F99F9FCE}" type="datetimeFigureOut">
               <a:rPr lang="en-FR" smtClean="0"/>
-              <a:t>02/08/2021</a:t>
+              <a:t>05/08/2021</a:t>
             </a:fld>
             <a:endParaRPr lang="en-FR"/>
           </a:p>
@@ -6383,6 +6469,298 @@
     <p:extLst>
       <p:ext uri="{BB962C8B-B14F-4D97-AF65-F5344CB8AC3E}">
         <p14:creationId xmlns:p14="http://schemas.microsoft.com/office/powerpoint/2010/main" val="3222495723"/>
+      </p:ext>
+    </p:extLst>
+  </p:cSld>
+  <p:clrMapOvr>
+    <a:masterClrMapping/>
+  </p:clrMapOvr>
+</p:sld>
+</file>
+
+<file path=ppt/slides/slide10.xml><?xml version="1.0" encoding="utf-8"?>
+<p:sld xmlns:a="http://schemas.openxmlformats.org/drawingml/2006/main" xmlns:r="http://schemas.openxmlformats.org/officeDocument/2006/relationships" xmlns:p="http://schemas.openxmlformats.org/presentationml/2006/main">
+  <p:cSld>
+    <p:spTree>
+      <p:nvGrpSpPr>
+        <p:cNvPr id="1" name=""/>
+        <p:cNvGrpSpPr/>
+        <p:nvPr/>
+      </p:nvGrpSpPr>
+      <p:grpSpPr>
+        <a:xfrm>
+          <a:off x="0" y="0"/>
+          <a:ext cx="0" cy="0"/>
+          <a:chOff x="0" y="0"/>
+          <a:chExt cx="0" cy="0"/>
+        </a:xfrm>
+      </p:grpSpPr>
+      <p:sp>
+        <p:nvSpPr>
+          <p:cNvPr id="4" name="Rounded Rectangle 3">
+            <a:extLst>
+              <a:ext uri="{FF2B5EF4-FFF2-40B4-BE49-F238E27FC236}">
+                <a16:creationId xmlns:a16="http://schemas.microsoft.com/office/drawing/2014/main" id="{81EAA11A-CDE3-024C-A3A4-711F9C243D78}"/>
+              </a:ext>
+            </a:extLst>
+          </p:cNvPr>
+          <p:cNvSpPr/>
+          <p:nvPr/>
+        </p:nvSpPr>
+        <p:spPr>
+          <a:xfrm>
+            <a:off x="4959458" y="3099661"/>
+            <a:ext cx="1363851" cy="1150749"/>
+          </a:xfrm>
+          <a:prstGeom prst="roundRect">
+            <a:avLst/>
+          </a:prstGeom>
+          <a:noFill/>
+          <a:ln w="171450"/>
+        </p:spPr>
+        <p:style>
+          <a:lnRef idx="2">
+            <a:schemeClr val="accent1">
+              <a:shade val="50000"/>
+            </a:schemeClr>
+          </a:lnRef>
+          <a:fillRef idx="1">
+            <a:schemeClr val="accent1"/>
+          </a:fillRef>
+          <a:effectRef idx="0">
+            <a:schemeClr val="accent1"/>
+          </a:effectRef>
+          <a:fontRef idx="minor">
+            <a:schemeClr val="lt1"/>
+          </a:fontRef>
+        </p:style>
+        <p:txBody>
+          <a:bodyPr rtlCol="0" anchor="ctr"/>
+          <a:lstStyle/>
+          <a:p>
+            <a:pPr algn="ctr"/>
+            <a:endParaRPr lang="en-FR"/>
+          </a:p>
+        </p:txBody>
+      </p:sp>
+      <p:sp>
+        <p:nvSpPr>
+          <p:cNvPr id="5" name="Triangle 4">
+            <a:extLst>
+              <a:ext uri="{FF2B5EF4-FFF2-40B4-BE49-F238E27FC236}">
+                <a16:creationId xmlns:a16="http://schemas.microsoft.com/office/drawing/2014/main" id="{FA611E16-AAFB-6B46-A941-0E26B8148684}"/>
+              </a:ext>
+            </a:extLst>
+          </p:cNvPr>
+          <p:cNvSpPr/>
+          <p:nvPr/>
+        </p:nvSpPr>
+        <p:spPr>
+          <a:xfrm>
+            <a:off x="4959457" y="1948892"/>
+            <a:ext cx="1363851" cy="867905"/>
+          </a:xfrm>
+          <a:prstGeom prst="triangle">
+            <a:avLst>
+              <a:gd name="adj" fmla="val 49174"/>
+            </a:avLst>
+          </a:prstGeom>
+          <a:noFill/>
+          <a:ln w="171450" cap="rnd">
+            <a:round/>
+          </a:ln>
+        </p:spPr>
+        <p:style>
+          <a:lnRef idx="2">
+            <a:schemeClr val="accent1">
+              <a:shade val="50000"/>
+            </a:schemeClr>
+          </a:lnRef>
+          <a:fillRef idx="1">
+            <a:schemeClr val="accent1"/>
+          </a:fillRef>
+          <a:effectRef idx="0">
+            <a:schemeClr val="accent1"/>
+          </a:effectRef>
+          <a:fontRef idx="minor">
+            <a:schemeClr val="lt1"/>
+          </a:fontRef>
+        </p:style>
+        <p:txBody>
+          <a:bodyPr rtlCol="0" anchor="ctr"/>
+          <a:lstStyle/>
+          <a:p>
+            <a:pPr algn="ctr"/>
+            <a:endParaRPr lang="en-FR"/>
+          </a:p>
+        </p:txBody>
+      </p:sp>
+      <p:sp>
+        <p:nvSpPr>
+          <p:cNvPr id="6" name="Rounded Rectangle 5">
+            <a:extLst>
+              <a:ext uri="{FF2B5EF4-FFF2-40B4-BE49-F238E27FC236}">
+                <a16:creationId xmlns:a16="http://schemas.microsoft.com/office/drawing/2014/main" id="{E2DFAD59-BE97-0043-BE49-5A1FC02CE107}"/>
+              </a:ext>
+            </a:extLst>
+          </p:cNvPr>
+          <p:cNvSpPr/>
+          <p:nvPr/>
+        </p:nvSpPr>
+        <p:spPr>
+          <a:xfrm>
+            <a:off x="1143001" y="1613760"/>
+            <a:ext cx="1404480" cy="2636651"/>
+          </a:xfrm>
+          <a:prstGeom prst="roundRect">
+            <a:avLst/>
+          </a:prstGeom>
+          <a:solidFill>
+            <a:schemeClr val="tx1"/>
+          </a:solidFill>
+          <a:ln w="225425">
+            <a:solidFill>
+              <a:schemeClr val="bg1"/>
+            </a:solidFill>
+          </a:ln>
+        </p:spPr>
+        <p:style>
+          <a:lnRef idx="2">
+            <a:schemeClr val="accent1">
+              <a:shade val="50000"/>
+            </a:schemeClr>
+          </a:lnRef>
+          <a:fillRef idx="1">
+            <a:schemeClr val="accent1"/>
+          </a:fillRef>
+          <a:effectRef idx="0">
+            <a:schemeClr val="accent1"/>
+          </a:effectRef>
+          <a:fontRef idx="minor">
+            <a:schemeClr val="lt1"/>
+          </a:fontRef>
+        </p:style>
+        <p:txBody>
+          <a:bodyPr rtlCol="0" anchor="ctr"/>
+          <a:lstStyle/>
+          <a:p>
+            <a:pPr algn="ctr"/>
+            <a:endParaRPr lang="en-FR"/>
+          </a:p>
+        </p:txBody>
+      </p:sp>
+      <p:sp>
+        <p:nvSpPr>
+          <p:cNvPr id="7" name="Rounded Rectangle 6">
+            <a:extLst>
+              <a:ext uri="{FF2B5EF4-FFF2-40B4-BE49-F238E27FC236}">
+                <a16:creationId xmlns:a16="http://schemas.microsoft.com/office/drawing/2014/main" id="{0440A8F6-1086-0746-9C20-2A02553FABFB}"/>
+              </a:ext>
+            </a:extLst>
+          </p:cNvPr>
+          <p:cNvSpPr/>
+          <p:nvPr/>
+        </p:nvSpPr>
+        <p:spPr>
+          <a:xfrm>
+            <a:off x="1972912" y="1613759"/>
+            <a:ext cx="1404480" cy="2636651"/>
+          </a:xfrm>
+          <a:prstGeom prst="roundRect">
+            <a:avLst/>
+          </a:prstGeom>
+          <a:solidFill>
+            <a:schemeClr val="tx1"/>
+          </a:solidFill>
+          <a:ln w="225425">
+            <a:solidFill>
+              <a:schemeClr val="bg1"/>
+            </a:solidFill>
+          </a:ln>
+        </p:spPr>
+        <p:style>
+          <a:lnRef idx="2">
+            <a:schemeClr val="accent1">
+              <a:shade val="50000"/>
+            </a:schemeClr>
+          </a:lnRef>
+          <a:fillRef idx="1">
+            <a:schemeClr val="accent1"/>
+          </a:fillRef>
+          <a:effectRef idx="0">
+            <a:schemeClr val="accent1"/>
+          </a:effectRef>
+          <a:fontRef idx="minor">
+            <a:schemeClr val="lt1"/>
+          </a:fontRef>
+        </p:style>
+        <p:txBody>
+          <a:bodyPr rtlCol="0" anchor="ctr"/>
+          <a:lstStyle/>
+          <a:p>
+            <a:pPr algn="ctr"/>
+            <a:endParaRPr lang="en-FR"/>
+          </a:p>
+        </p:txBody>
+      </p:sp>
+      <p:sp>
+        <p:nvSpPr>
+          <p:cNvPr id="8" name="Rounded Rectangle 7">
+            <a:extLst>
+              <a:ext uri="{FF2B5EF4-FFF2-40B4-BE49-F238E27FC236}">
+                <a16:creationId xmlns:a16="http://schemas.microsoft.com/office/drawing/2014/main" id="{FADE493F-91C9-3441-997A-563F113631EB}"/>
+              </a:ext>
+            </a:extLst>
+          </p:cNvPr>
+          <p:cNvSpPr/>
+          <p:nvPr/>
+        </p:nvSpPr>
+        <p:spPr>
+          <a:xfrm>
+            <a:off x="2988590" y="1613759"/>
+            <a:ext cx="1207853" cy="2636651"/>
+          </a:xfrm>
+          <a:prstGeom prst="roundRect">
+            <a:avLst/>
+          </a:prstGeom>
+          <a:solidFill>
+            <a:schemeClr val="tx1"/>
+          </a:solidFill>
+          <a:ln w="225425">
+            <a:solidFill>
+              <a:schemeClr val="bg1"/>
+            </a:solidFill>
+          </a:ln>
+        </p:spPr>
+        <p:style>
+          <a:lnRef idx="2">
+            <a:schemeClr val="accent1">
+              <a:shade val="50000"/>
+            </a:schemeClr>
+          </a:lnRef>
+          <a:fillRef idx="1">
+            <a:schemeClr val="accent1"/>
+          </a:fillRef>
+          <a:effectRef idx="0">
+            <a:schemeClr val="accent1"/>
+          </a:effectRef>
+          <a:fontRef idx="minor">
+            <a:schemeClr val="lt1"/>
+          </a:fontRef>
+        </p:style>
+        <p:txBody>
+          <a:bodyPr rtlCol="0" anchor="ctr"/>
+          <a:lstStyle/>
+          <a:p>
+            <a:pPr algn="ctr"/>
+            <a:endParaRPr lang="en-FR"/>
+          </a:p>
+        </p:txBody>
+      </p:sp>
+    </p:spTree>
+    <p:extLst>
+      <p:ext uri="{BB962C8B-B14F-4D97-AF65-F5344CB8AC3E}">
+        <p14:creationId xmlns:p14="http://schemas.microsoft.com/office/powerpoint/2010/main" val="1317057417"/>
       </p:ext>
     </p:extLst>
   </p:cSld>
@@ -17273,6 +17651,446 @@
     <p:extLst>
       <p:ext uri="{BB962C8B-B14F-4D97-AF65-F5344CB8AC3E}">
         <p14:creationId xmlns:p14="http://schemas.microsoft.com/office/powerpoint/2010/main" val="4007157533"/>
+      </p:ext>
+    </p:extLst>
+  </p:cSld>
+  <p:clrMapOvr>
+    <a:masterClrMapping/>
+  </p:clrMapOvr>
+</p:sld>
+</file>
+
+<file path=ppt/slides/slide9.xml><?xml version="1.0" encoding="utf-8"?>
+<p:sld xmlns:a="http://schemas.openxmlformats.org/drawingml/2006/main" xmlns:r="http://schemas.openxmlformats.org/officeDocument/2006/relationships" xmlns:p="http://schemas.openxmlformats.org/presentationml/2006/main" showMasterSp="0">
+  <p:cSld>
+    <p:bg>
+      <p:bgPr>
+        <a:solidFill>
+          <a:schemeClr val="bg1"/>
+        </a:solidFill>
+        <a:effectLst/>
+      </p:bgPr>
+    </p:bg>
+    <p:spTree>
+      <p:nvGrpSpPr>
+        <p:cNvPr id="1" name=""/>
+        <p:cNvGrpSpPr/>
+        <p:nvPr/>
+      </p:nvGrpSpPr>
+      <p:grpSpPr>
+        <a:xfrm>
+          <a:off x="0" y="0"/>
+          <a:ext cx="0" cy="0"/>
+          <a:chOff x="0" y="0"/>
+          <a:chExt cx="0" cy="0"/>
+        </a:xfrm>
+      </p:grpSpPr>
+      <p:sp>
+        <p:nvSpPr>
+          <p:cNvPr id="31" name="Rounded Rectangle 30">
+            <a:extLst>
+              <a:ext uri="{FF2B5EF4-FFF2-40B4-BE49-F238E27FC236}">
+                <a16:creationId xmlns:a16="http://schemas.microsoft.com/office/drawing/2014/main" id="{9D90968A-AA4C-DA4C-B3B0-2C0D0976F528}"/>
+              </a:ext>
+            </a:extLst>
+          </p:cNvPr>
+          <p:cNvSpPr/>
+          <p:nvPr/>
+        </p:nvSpPr>
+        <p:spPr>
+          <a:xfrm>
+            <a:off x="0" y="48980"/>
+            <a:ext cx="12192000" cy="6858000"/>
+          </a:xfrm>
+          <a:prstGeom prst="roundRect">
+            <a:avLst/>
+          </a:prstGeom>
+          <a:solidFill>
+            <a:srgbClr val="FAFAFA"/>
+          </a:solidFill>
+          <a:ln w="88900">
+            <a:solidFill>
+              <a:srgbClr val="228BE6">
+                <a:alpha val="19114"/>
+              </a:srgbClr>
+            </a:solidFill>
+          </a:ln>
+        </p:spPr>
+        <p:style>
+          <a:lnRef idx="2">
+            <a:schemeClr val="accent1">
+              <a:shade val="50000"/>
+            </a:schemeClr>
+          </a:lnRef>
+          <a:fillRef idx="1">
+            <a:schemeClr val="accent1"/>
+          </a:fillRef>
+          <a:effectRef idx="0">
+            <a:schemeClr val="accent1"/>
+          </a:effectRef>
+          <a:fontRef idx="minor">
+            <a:schemeClr val="lt1"/>
+          </a:fontRef>
+        </p:style>
+        <p:txBody>
+          <a:bodyPr rtlCol="0" anchor="ctr"/>
+          <a:lstStyle/>
+          <a:p>
+            <a:pPr algn="ctr"/>
+            <a:endParaRPr lang="en-FR"/>
+          </a:p>
+        </p:txBody>
+      </p:sp>
+      <p:pic>
+        <p:nvPicPr>
+          <p:cNvPr id="5" name="Picture 4">
+            <a:extLst>
+              <a:ext uri="{FF2B5EF4-FFF2-40B4-BE49-F238E27FC236}">
+                <a16:creationId xmlns:a16="http://schemas.microsoft.com/office/drawing/2014/main" id="{5CA4450F-D1CD-354B-A17F-435B04AA806D}"/>
+              </a:ext>
+            </a:extLst>
+          </p:cNvPr>
+          <p:cNvPicPr>
+            <a:picLocks noChangeAspect="1"/>
+          </p:cNvPicPr>
+          <p:nvPr/>
+        </p:nvPicPr>
+        <p:blipFill>
+          <a:blip r:embed="rId3">
+            <a:alphaModFix amt="53000"/>
+          </a:blip>
+          <a:stretch>
+            <a:fillRect/>
+          </a:stretch>
+        </p:blipFill>
+        <p:spPr>
+          <a:xfrm>
+            <a:off x="1735810" y="2252679"/>
+            <a:ext cx="9735231" cy="2920568"/>
+          </a:xfrm>
+          <a:prstGeom prst="rect">
+            <a:avLst/>
+          </a:prstGeom>
+        </p:spPr>
+      </p:pic>
+      <p:pic>
+        <p:nvPicPr>
+          <p:cNvPr id="13" name="Picture 12">
+            <a:extLst>
+              <a:ext uri="{FF2B5EF4-FFF2-40B4-BE49-F238E27FC236}">
+                <a16:creationId xmlns:a16="http://schemas.microsoft.com/office/drawing/2014/main" id="{DDDA5A5C-87A3-1242-8637-9E90FC8A731F}"/>
+              </a:ext>
+            </a:extLst>
+          </p:cNvPr>
+          <p:cNvPicPr>
+            <a:picLocks noChangeAspect="1"/>
+          </p:cNvPicPr>
+          <p:nvPr/>
+        </p:nvPicPr>
+        <p:blipFill>
+          <a:blip r:embed="rId4"/>
+          <a:stretch>
+            <a:fillRect/>
+          </a:stretch>
+        </p:blipFill>
+        <p:spPr>
+          <a:xfrm>
+            <a:off x="326572" y="370609"/>
+            <a:ext cx="875498" cy="741219"/>
+          </a:xfrm>
+          <a:prstGeom prst="rect">
+            <a:avLst/>
+          </a:prstGeom>
+        </p:spPr>
+      </p:pic>
+      <p:cxnSp>
+        <p:nvCxnSpPr>
+          <p:cNvPr id="8" name="Straight Connector 7">
+            <a:extLst>
+              <a:ext uri="{FF2B5EF4-FFF2-40B4-BE49-F238E27FC236}">
+                <a16:creationId xmlns:a16="http://schemas.microsoft.com/office/drawing/2014/main" id="{74199026-2071-E943-929C-1F0A5CBBA3FB}"/>
+              </a:ext>
+            </a:extLst>
+          </p:cNvPr>
+          <p:cNvCxnSpPr>
+            <a:cxnSpLocks/>
+          </p:cNvCxnSpPr>
+          <p:nvPr/>
+        </p:nvCxnSpPr>
+        <p:spPr>
+          <a:xfrm>
+            <a:off x="2991173" y="2252679"/>
+            <a:ext cx="2433234" cy="0"/>
+          </a:xfrm>
+          <a:prstGeom prst="line">
+            <a:avLst/>
+          </a:prstGeom>
+          <a:ln>
+            <a:solidFill>
+              <a:schemeClr val="bg2">
+                <a:lumMod val="75000"/>
+              </a:schemeClr>
+            </a:solidFill>
+          </a:ln>
+        </p:spPr>
+        <p:style>
+          <a:lnRef idx="1">
+            <a:schemeClr val="accent1"/>
+          </a:lnRef>
+          <a:fillRef idx="0">
+            <a:schemeClr val="accent1"/>
+          </a:fillRef>
+          <a:effectRef idx="0">
+            <a:schemeClr val="accent1"/>
+          </a:effectRef>
+          <a:fontRef idx="minor">
+            <a:schemeClr val="tx1"/>
+          </a:fontRef>
+        </p:style>
+      </p:cxnSp>
+      <p:cxnSp>
+        <p:nvCxnSpPr>
+          <p:cNvPr id="19" name="Straight Connector 18">
+            <a:extLst>
+              <a:ext uri="{FF2B5EF4-FFF2-40B4-BE49-F238E27FC236}">
+                <a16:creationId xmlns:a16="http://schemas.microsoft.com/office/drawing/2014/main" id="{0009FCC5-851B-5046-8D05-2456BA72E718}"/>
+              </a:ext>
+            </a:extLst>
+          </p:cNvPr>
+          <p:cNvCxnSpPr>
+            <a:cxnSpLocks/>
+          </p:cNvCxnSpPr>
+          <p:nvPr/>
+        </p:nvCxnSpPr>
+        <p:spPr>
+          <a:xfrm>
+            <a:off x="3077706" y="1325994"/>
+            <a:ext cx="1190786" cy="926684"/>
+          </a:xfrm>
+          <a:prstGeom prst="line">
+            <a:avLst/>
+          </a:prstGeom>
+          <a:ln>
+            <a:solidFill>
+              <a:schemeClr val="bg2">
+                <a:lumMod val="75000"/>
+              </a:schemeClr>
+            </a:solidFill>
+          </a:ln>
+        </p:spPr>
+        <p:style>
+          <a:lnRef idx="1">
+            <a:schemeClr val="accent1"/>
+          </a:lnRef>
+          <a:fillRef idx="0">
+            <a:schemeClr val="accent1"/>
+          </a:fillRef>
+          <a:effectRef idx="0">
+            <a:schemeClr val="accent1"/>
+          </a:effectRef>
+          <a:fontRef idx="minor">
+            <a:schemeClr val="tx1"/>
+          </a:fontRef>
+        </p:style>
+      </p:cxnSp>
+      <p:sp>
+        <p:nvSpPr>
+          <p:cNvPr id="24" name="TextBox 23">
+            <a:extLst>
+              <a:ext uri="{FF2B5EF4-FFF2-40B4-BE49-F238E27FC236}">
+                <a16:creationId xmlns:a16="http://schemas.microsoft.com/office/drawing/2014/main" id="{D0975F4A-505C-5647-A251-BBF22C843E95}"/>
+              </a:ext>
+            </a:extLst>
+          </p:cNvPr>
+          <p:cNvSpPr txBox="1"/>
+          <p:nvPr/>
+        </p:nvSpPr>
+        <p:spPr>
+          <a:xfrm>
+            <a:off x="7341097" y="4588472"/>
+            <a:ext cx="4306617" cy="830997"/>
+          </a:xfrm>
+          <a:prstGeom prst="rect">
+            <a:avLst/>
+          </a:prstGeom>
+          <a:noFill/>
+        </p:spPr>
+        <p:txBody>
+          <a:bodyPr wrap="square" rtlCol="0">
+            <a:spAutoFit/>
+          </a:bodyPr>
+          <a:lstStyle/>
+          <a:p>
+            <a:r>
+              <a:rPr lang="en-FR" sz="2400" dirty="0">
+                <a:latin typeface="PT Mono" panose="02060509020205020204" pitchFamily="49" charset="77"/>
+              </a:rPr>
+              <a:t>Some explanation about why </a:t>
+            </a:r>
+            <a:r>
+              <a:rPr lang="en-FR" sz="2400" dirty="0">
+                <a:solidFill>
+                  <a:srgbClr val="4FA04D"/>
+                </a:solidFill>
+                <a:latin typeface="PT Mono" panose="02060509020205020204" pitchFamily="49" charset="77"/>
+              </a:rPr>
+              <a:t>number</a:t>
+            </a:r>
+            <a:r>
+              <a:rPr lang="en-FR" sz="2400" dirty="0">
+                <a:latin typeface="PT Mono" panose="02060509020205020204" pitchFamily="49" charset="77"/>
+              </a:rPr>
+              <a:t> is that way</a:t>
+            </a:r>
+          </a:p>
+        </p:txBody>
+      </p:sp>
+      <p:cxnSp>
+        <p:nvCxnSpPr>
+          <p:cNvPr id="25" name="Straight Connector 24">
+            <a:extLst>
+              <a:ext uri="{FF2B5EF4-FFF2-40B4-BE49-F238E27FC236}">
+                <a16:creationId xmlns:a16="http://schemas.microsoft.com/office/drawing/2014/main" id="{EFFB56DA-B5AB-B74E-A3E5-A0DC6CBC952B}"/>
+              </a:ext>
+            </a:extLst>
+          </p:cNvPr>
+          <p:cNvCxnSpPr>
+            <a:cxnSpLocks/>
+          </p:cNvCxnSpPr>
+          <p:nvPr/>
+        </p:nvCxnSpPr>
+        <p:spPr>
+          <a:xfrm flipH="1">
+            <a:off x="6371017" y="3366029"/>
+            <a:ext cx="970080" cy="0"/>
+          </a:xfrm>
+          <a:prstGeom prst="line">
+            <a:avLst/>
+          </a:prstGeom>
+          <a:ln>
+            <a:solidFill>
+              <a:schemeClr val="bg2">
+                <a:lumMod val="75000"/>
+              </a:schemeClr>
+            </a:solidFill>
+          </a:ln>
+        </p:spPr>
+        <p:style>
+          <a:lnRef idx="1">
+            <a:schemeClr val="accent1"/>
+          </a:lnRef>
+          <a:fillRef idx="0">
+            <a:schemeClr val="accent1"/>
+          </a:fillRef>
+          <a:effectRef idx="0">
+            <a:schemeClr val="accent1"/>
+          </a:effectRef>
+          <a:fontRef idx="minor">
+            <a:schemeClr val="tx1"/>
+          </a:fontRef>
+        </p:style>
+      </p:cxnSp>
+      <p:cxnSp>
+        <p:nvCxnSpPr>
+          <p:cNvPr id="26" name="Straight Connector 25">
+            <a:extLst>
+              <a:ext uri="{FF2B5EF4-FFF2-40B4-BE49-F238E27FC236}">
+                <a16:creationId xmlns:a16="http://schemas.microsoft.com/office/drawing/2014/main" id="{DAB3A25E-5868-0A46-A257-33CF5341B488}"/>
+              </a:ext>
+            </a:extLst>
+          </p:cNvPr>
+          <p:cNvCxnSpPr>
+            <a:cxnSpLocks/>
+          </p:cNvCxnSpPr>
+          <p:nvPr/>
+        </p:nvCxnSpPr>
+        <p:spPr>
+          <a:xfrm flipH="1" flipV="1">
+            <a:off x="6856057" y="3366028"/>
+            <a:ext cx="1575160" cy="1164512"/>
+          </a:xfrm>
+          <a:prstGeom prst="line">
+            <a:avLst/>
+          </a:prstGeom>
+          <a:ln>
+            <a:solidFill>
+              <a:schemeClr val="bg2">
+                <a:lumMod val="75000"/>
+              </a:schemeClr>
+            </a:solidFill>
+          </a:ln>
+        </p:spPr>
+        <p:style>
+          <a:lnRef idx="1">
+            <a:schemeClr val="accent1"/>
+          </a:lnRef>
+          <a:fillRef idx="0">
+            <a:schemeClr val="accent1"/>
+          </a:fillRef>
+          <a:effectRef idx="0">
+            <a:schemeClr val="accent1"/>
+          </a:effectRef>
+          <a:fontRef idx="minor">
+            <a:schemeClr val="tx1"/>
+          </a:fontRef>
+        </p:style>
+      </p:cxnSp>
+      <p:sp>
+        <p:nvSpPr>
+          <p:cNvPr id="36" name="TextBox 35">
+            <a:extLst>
+              <a:ext uri="{FF2B5EF4-FFF2-40B4-BE49-F238E27FC236}">
+                <a16:creationId xmlns:a16="http://schemas.microsoft.com/office/drawing/2014/main" id="{87633697-555B-414D-8623-8E5E2398B703}"/>
+              </a:ext>
+            </a:extLst>
+          </p:cNvPr>
+          <p:cNvSpPr txBox="1"/>
+          <p:nvPr/>
+        </p:nvSpPr>
+        <p:spPr>
+          <a:xfrm>
+            <a:off x="1789383" y="370609"/>
+            <a:ext cx="4306617" cy="830997"/>
+          </a:xfrm>
+          <a:prstGeom prst="rect">
+            <a:avLst/>
+          </a:prstGeom>
+          <a:noFill/>
+        </p:spPr>
+        <p:txBody>
+          <a:bodyPr wrap="square" rtlCol="0">
+            <a:spAutoFit/>
+          </a:bodyPr>
+          <a:lstStyle/>
+          <a:p>
+            <a:r>
+              <a:rPr lang="en-FR" sz="2400" dirty="0">
+                <a:latin typeface="PT Mono" panose="02060509020205020204" pitchFamily="49" charset="77"/>
+              </a:rPr>
+              <a:t>Wtf is </a:t>
+            </a:r>
+            <a:r>
+              <a:rPr lang="en-FR" sz="2400" dirty="0">
+                <a:solidFill>
+                  <a:srgbClr val="3D77F2"/>
+                </a:solidFill>
+                <a:latin typeface="PT Mono" panose="02060509020205020204" pitchFamily="49" charset="77"/>
+              </a:rPr>
+              <a:t>multiplyAgain</a:t>
+            </a:r>
+            <a:r>
+              <a:rPr lang="en-FR" sz="2400" dirty="0">
+                <a:latin typeface="PT Mono" panose="02060509020205020204" pitchFamily="49" charset="77"/>
+              </a:rPr>
+              <a:t> about again?</a:t>
+            </a:r>
+          </a:p>
+        </p:txBody>
+      </p:sp>
+    </p:spTree>
+    <p:extLst>
+      <p:ext uri="{BB962C8B-B14F-4D97-AF65-F5344CB8AC3E}">
+        <p14:creationId xmlns:p14="http://schemas.microsoft.com/office/powerpoint/2010/main" val="607086978"/>
       </p:ext>
     </p:extLst>
   </p:cSld>
